--- a/Research/PAPER/2024-05 - Proposal - Draft/2024-05-28 - Proposal Draft.pptx
+++ b/Research/PAPER/2024-05 - Proposal - Draft/2024-05-28 - Proposal Draft.pptx
@@ -128,14 +128,6 @@
     </p:ext>
   </p:extLst>
 </p:presentation>
-</file>
-
-<file path=ppt/revisionInfo.xml><?xml version="1.0" encoding="utf-8"?>
-<p1510:revInfo xmlns:a="http://schemas.openxmlformats.org/drawingml/2006/main" xmlns:r="http://schemas.openxmlformats.org/officeDocument/2006/relationships" xmlns:p1510="http://schemas.microsoft.com/office/powerpoint/2015/10/main">
-  <p1510:revLst>
-    <p1510:client id="{949B9FD2-1FE8-4081-B4C8-CA90840226E8}" v="15" dt="2024-06-18T20:54:40.941"/>
-  </p1510:revLst>
-</p1510:revInfo>
 </file>
 
 <file path=ppt/changesInfos/changesInfo1.xml><?xml version="1.0" encoding="utf-8"?>
@@ -1209,7 +1201,7 @@
           <a:p>
             <a:fld id="{584E71AC-77E2-44B1-8F2C-636546E678CC}" type="datetimeFigureOut">
               <a:rPr lang="en-US" smtClean="0"/>
-              <a:t>6/18/2024</a:t>
+              <a:t>9/28/2024</a:t>
             </a:fld>
             <a:endParaRPr lang="en-US"/>
           </a:p>
@@ -1367,7 +1359,7 @@
           <a:p>
             <a:fld id="{0BC7B2EC-0DDD-417A-A6C6-74ABF277359A}" type="slidenum">
               <a:rPr lang="en-US" smtClean="0"/>
-              <a:t>‹#›</a:t>
+              <a:t>‹nº›</a:t>
             </a:fld>
             <a:endParaRPr lang="en-US"/>
           </a:p>
@@ -2373,7 +2365,7 @@
                   <a:schemeClr val="tx1"/>
                 </a:solidFill>
               </a:rPr>
-              <a:t>‹#›</a:t>
+              <a:t>‹nº›</a:t>
             </a:fld>
             <a:endParaRPr lang="en-US" sz="1200" dirty="0">
               <a:solidFill>
@@ -3376,7 +3368,7 @@
                   <a:schemeClr val="tx1"/>
                 </a:solidFill>
               </a:rPr>
-              <a:t>‹#›</a:t>
+              <a:t>‹nº›</a:t>
             </a:fld>
             <a:endParaRPr lang="en-US" sz="1200" dirty="0">
               <a:solidFill>
@@ -3782,13 +3774,59 @@
                   <a:schemeClr val="tx1"/>
                 </a:solidFill>
               </a:rPr>
-              <a:t>‹#›</a:t>
+              <a:t>‹nº›</a:t>
             </a:fld>
             <a:endParaRPr lang="en-US" sz="1200" dirty="0">
               <a:solidFill>
                 <a:schemeClr val="tx1"/>
               </a:solidFill>
             </a:endParaRPr>
+          </a:p>
+        </p:txBody>
+      </p:sp>
+      <p:sp>
+        <p:nvSpPr>
+          <p:cNvPr id="4" name="CaixaDeTexto 3">
+            <a:extLst>
+              <a:ext uri="{FF2B5EF4-FFF2-40B4-BE49-F238E27FC236}">
+                <a16:creationId xmlns:a16="http://schemas.microsoft.com/office/drawing/2014/main" id="{D06D447A-A4BD-7CF9-CD66-796849633669}"/>
+              </a:ext>
+            </a:extLst>
+          </p:cNvPr>
+          <p:cNvSpPr txBox="1"/>
+          <p:nvPr userDrawn="1">
+            <p:extLst>
+              <p:ext uri="{1162E1C5-73C7-4A58-AE30-91384D911F3F}">
+                <p184:classification xmlns:p184="http://schemas.microsoft.com/office/powerpoint/2018/4/main" val="ftr"/>
+              </p:ext>
+            </p:extLst>
+          </p:nvPr>
+        </p:nvSpPr>
+        <p:spPr>
+          <a:xfrm>
+            <a:off x="63500" y="6657340"/>
+            <a:ext cx="461963" cy="137160"/>
+          </a:xfrm>
+          <a:prstGeom prst="rect">
+            <a:avLst/>
+          </a:prstGeom>
+        </p:spPr>
+        <p:txBody>
+          <a:bodyPr horzOverflow="overflow" lIns="0" tIns="0" rIns="0" bIns="0">
+            <a:spAutoFit/>
+          </a:bodyPr>
+          <a:lstStyle/>
+          <a:p>
+            <a:pPr algn="l"/>
+            <a:r>
+              <a:rPr lang="pt-BR" sz="900">
+                <a:solidFill>
+                  <a:srgbClr val="737373"/>
+                </a:solidFill>
+                <a:latin typeface="Trebuchet MS" panose="020B0603020202020204" pitchFamily="34" charset="0"/>
+              </a:rPr>
+              <a:t>PÚBLICA</a:t>
+            </a:r>
           </a:p>
         </p:txBody>
       </p:sp>
@@ -15390,8 +15428,8 @@
           </a:p>
         </p:txBody>
       </p:sp>
-      <mc:AlternateContent xmlns:mc="http://schemas.openxmlformats.org/markup-compatibility/2006">
-        <mc:Choice xmlns:a14="http://schemas.microsoft.com/office/drawing/2010/main" Requires="a14">
+      <mc:AlternateContent xmlns:mc="http://schemas.openxmlformats.org/markup-compatibility/2006" xmlns:a14="http://schemas.microsoft.com/office/drawing/2010/main">
+        <mc:Choice Requires="a14">
           <p:graphicFrame>
             <p:nvGraphicFramePr>
               <p:cNvPr id="4" name="Table 3">
@@ -16163,7 +16201,7 @@
             </a:graphic>
           </p:graphicFrame>
         </mc:Choice>
-        <mc:Fallback>
+        <mc:Fallback xmlns="">
           <p:graphicFrame>
             <p:nvGraphicFramePr>
               <p:cNvPr id="4" name="Table 3">
